--- a/Assesment2/Ass/Keagan Erasmus.pptx
+++ b/Assesment2/Ass/Keagan Erasmus.pptx
@@ -6,9 +6,17 @@
   </p:sldMasterIdLst>
   <p:sldIdLst>
     <p:sldId id="256" r:id="rId2"/>
-    <p:sldId id="257" r:id="rId3"/>
-    <p:sldId id="258" r:id="rId4"/>
-    <p:sldId id="259" r:id="rId5"/>
+    <p:sldId id="260" r:id="rId3"/>
+    <p:sldId id="257" r:id="rId4"/>
+    <p:sldId id="258" r:id="rId5"/>
+    <p:sldId id="259" r:id="rId6"/>
+    <p:sldId id="261" r:id="rId7"/>
+    <p:sldId id="262" r:id="rId8"/>
+    <p:sldId id="263" r:id="rId9"/>
+    <p:sldId id="264" r:id="rId10"/>
+    <p:sldId id="265" r:id="rId11"/>
+    <p:sldId id="266" r:id="rId12"/>
+    <p:sldId id="267" r:id="rId13"/>
   </p:sldIdLst>
   <p:sldSz cx="12192000" cy="6858000"/>
   <p:notesSz cx="6858000" cy="9144000"/>
@@ -317,7 +325,7 @@
           <a:p>
             <a:fld id="{BD320450-156F-40D5-9160-B5B906343E13}" type="datetimeFigureOut">
               <a:rPr lang="en-NZ" smtClean="0"/>
-              <a:t>15/11/2022</a:t>
+              <a:t>16/11/2022</a:t>
             </a:fld>
             <a:endParaRPr lang="en-NZ"/>
           </a:p>
@@ -753,7 +761,7 @@
           <a:p>
             <a:fld id="{BD320450-156F-40D5-9160-B5B906343E13}" type="datetimeFigureOut">
               <a:rPr lang="en-NZ" smtClean="0"/>
-              <a:t>15/11/2022</a:t>
+              <a:t>16/11/2022</a:t>
             </a:fld>
             <a:endParaRPr lang="en-NZ"/>
           </a:p>
@@ -1003,7 +1011,7 @@
           <a:p>
             <a:fld id="{BD320450-156F-40D5-9160-B5B906343E13}" type="datetimeFigureOut">
               <a:rPr lang="en-NZ" smtClean="0"/>
-              <a:t>15/11/2022</a:t>
+              <a:t>16/11/2022</a:t>
             </a:fld>
             <a:endParaRPr lang="en-NZ"/>
           </a:p>
@@ -1311,7 +1319,7 @@
           <a:p>
             <a:fld id="{BD320450-156F-40D5-9160-B5B906343E13}" type="datetimeFigureOut">
               <a:rPr lang="en-NZ" smtClean="0"/>
-              <a:t>15/11/2022</a:t>
+              <a:t>16/11/2022</a:t>
             </a:fld>
             <a:endParaRPr lang="en-NZ"/>
           </a:p>
@@ -1629,7 +1637,7 @@
           <a:p>
             <a:fld id="{BD320450-156F-40D5-9160-B5B906343E13}" type="datetimeFigureOut">
               <a:rPr lang="en-NZ" smtClean="0"/>
-              <a:t>15/11/2022</a:t>
+              <a:t>16/11/2022</a:t>
             </a:fld>
             <a:endParaRPr lang="en-NZ"/>
           </a:p>
@@ -1931,7 +1939,7 @@
           <a:p>
             <a:fld id="{BD320450-156F-40D5-9160-B5B906343E13}" type="datetimeFigureOut">
               <a:rPr lang="en-NZ" smtClean="0"/>
-              <a:t>15/11/2022</a:t>
+              <a:t>16/11/2022</a:t>
             </a:fld>
             <a:endParaRPr lang="en-NZ"/>
           </a:p>
@@ -2298,7 +2306,7 @@
           <a:p>
             <a:fld id="{BD320450-156F-40D5-9160-B5B906343E13}" type="datetimeFigureOut">
               <a:rPr lang="en-NZ" smtClean="0"/>
-              <a:t>15/11/2022</a:t>
+              <a:t>16/11/2022</a:t>
             </a:fld>
             <a:endParaRPr lang="en-NZ"/>
           </a:p>
@@ -2472,7 +2480,7 @@
           <a:p>
             <a:fld id="{BD320450-156F-40D5-9160-B5B906343E13}" type="datetimeFigureOut">
               <a:rPr lang="en-NZ" smtClean="0"/>
-              <a:t>15/11/2022</a:t>
+              <a:t>16/11/2022</a:t>
             </a:fld>
             <a:endParaRPr lang="en-NZ"/>
           </a:p>
@@ -2652,7 +2660,7 @@
           <a:p>
             <a:fld id="{BD320450-156F-40D5-9160-B5B906343E13}" type="datetimeFigureOut">
               <a:rPr lang="en-NZ" smtClean="0"/>
-              <a:t>15/11/2022</a:t>
+              <a:t>16/11/2022</a:t>
             </a:fld>
             <a:endParaRPr lang="en-NZ"/>
           </a:p>
@@ -2822,7 +2830,7 @@
           <a:p>
             <a:fld id="{BD320450-156F-40D5-9160-B5B906343E13}" type="datetimeFigureOut">
               <a:rPr lang="en-NZ" smtClean="0"/>
-              <a:t>15/11/2022</a:t>
+              <a:t>16/11/2022</a:t>
             </a:fld>
             <a:endParaRPr lang="en-NZ"/>
           </a:p>
@@ -3072,7 +3080,7 @@
           <a:p>
             <a:fld id="{BD320450-156F-40D5-9160-B5B906343E13}" type="datetimeFigureOut">
               <a:rPr lang="en-NZ" smtClean="0"/>
-              <a:t>15/11/2022</a:t>
+              <a:t>16/11/2022</a:t>
             </a:fld>
             <a:endParaRPr lang="en-NZ"/>
           </a:p>
@@ -3308,7 +3316,7 @@
           <a:p>
             <a:fld id="{BD320450-156F-40D5-9160-B5B906343E13}" type="datetimeFigureOut">
               <a:rPr lang="en-NZ" smtClean="0"/>
-              <a:t>15/11/2022</a:t>
+              <a:t>16/11/2022</a:t>
             </a:fld>
             <a:endParaRPr lang="en-NZ"/>
           </a:p>
@@ -3690,7 +3698,7 @@
           <a:p>
             <a:fld id="{BD320450-156F-40D5-9160-B5B906343E13}" type="datetimeFigureOut">
               <a:rPr lang="en-NZ" smtClean="0"/>
-              <a:t>15/11/2022</a:t>
+              <a:t>16/11/2022</a:t>
             </a:fld>
             <a:endParaRPr lang="en-NZ"/>
           </a:p>
@@ -3808,7 +3816,7 @@
           <a:p>
             <a:fld id="{BD320450-156F-40D5-9160-B5B906343E13}" type="datetimeFigureOut">
               <a:rPr lang="en-NZ" smtClean="0"/>
-              <a:t>15/11/2022</a:t>
+              <a:t>16/11/2022</a:t>
             </a:fld>
             <a:endParaRPr lang="en-NZ"/>
           </a:p>
@@ -3903,7 +3911,7 @@
           <a:p>
             <a:fld id="{BD320450-156F-40D5-9160-B5B906343E13}" type="datetimeFigureOut">
               <a:rPr lang="en-NZ" smtClean="0"/>
-              <a:t>15/11/2022</a:t>
+              <a:t>16/11/2022</a:t>
             </a:fld>
             <a:endParaRPr lang="en-NZ"/>
           </a:p>
@@ -4158,7 +4166,7 @@
           <a:p>
             <a:fld id="{BD320450-156F-40D5-9160-B5B906343E13}" type="datetimeFigureOut">
               <a:rPr lang="en-NZ" smtClean="0"/>
-              <a:t>15/11/2022</a:t>
+              <a:t>16/11/2022</a:t>
             </a:fld>
             <a:endParaRPr lang="en-NZ"/>
           </a:p>
@@ -4441,7 +4449,7 @@
           <a:p>
             <a:fld id="{BD320450-156F-40D5-9160-B5B906343E13}" type="datetimeFigureOut">
               <a:rPr lang="en-NZ" smtClean="0"/>
-              <a:t>15/11/2022</a:t>
+              <a:t>16/11/2022</a:t>
             </a:fld>
             <a:endParaRPr lang="en-NZ"/>
           </a:p>
@@ -4847,7 +4855,7 @@
           <a:p>
             <a:fld id="{BD320450-156F-40D5-9160-B5B906343E13}" type="datetimeFigureOut">
               <a:rPr lang="en-NZ" smtClean="0"/>
-              <a:t>15/11/2022</a:t>
+              <a:t>16/11/2022</a:t>
             </a:fld>
             <a:endParaRPr lang="en-NZ"/>
           </a:p>
@@ -5451,6 +5459,255 @@
 </p:sld>
 </file>
 
+<file path=ppt/slides/slide10.xml><?xml version="1.0" encoding="utf-8"?>
+<p:sld xmlns:a="http://schemas.openxmlformats.org/drawingml/2006/main" xmlns:r="http://schemas.openxmlformats.org/officeDocument/2006/relationships" xmlns:p="http://schemas.openxmlformats.org/presentationml/2006/main">
+  <p:cSld>
+    <p:spTree>
+      <p:nvGrpSpPr>
+        <p:cNvPr id="1" name=""/>
+        <p:cNvGrpSpPr/>
+        <p:nvPr/>
+      </p:nvGrpSpPr>
+      <p:grpSpPr>
+        <a:xfrm>
+          <a:off x="0" y="0"/>
+          <a:ext cx="0" cy="0"/>
+          <a:chOff x="0" y="0"/>
+          <a:chExt cx="0" cy="0"/>
+        </a:xfrm>
+      </p:grpSpPr>
+      <p:sp>
+        <p:nvSpPr>
+          <p:cNvPr id="2" name="Title 1">
+            <a:extLst>
+              <a:ext uri="{FF2B5EF4-FFF2-40B4-BE49-F238E27FC236}">
+                <a16:creationId xmlns:a16="http://schemas.microsoft.com/office/drawing/2014/main" id="{1E6C256D-6EC5-601B-9405-893FC6458966}"/>
+              </a:ext>
+            </a:extLst>
+          </p:cNvPr>
+          <p:cNvSpPr>
+            <a:spLocks noGrp="1"/>
+          </p:cNvSpPr>
+          <p:nvPr>
+            <p:ph type="title"/>
+          </p:nvPr>
+        </p:nvSpPr>
+        <p:spPr/>
+        <p:txBody>
+          <a:bodyPr/>
+          <a:lstStyle/>
+          <a:p>
+            <a:r>
+              <a:rPr lang="en-NZ" dirty="0"/>
+              <a:t>Interface segregation principle</a:t>
+            </a:r>
+          </a:p>
+        </p:txBody>
+      </p:sp>
+      <p:sp>
+        <p:nvSpPr>
+          <p:cNvPr id="3" name="Content Placeholder 2">
+            <a:extLst>
+              <a:ext uri="{FF2B5EF4-FFF2-40B4-BE49-F238E27FC236}">
+                <a16:creationId xmlns:a16="http://schemas.microsoft.com/office/drawing/2014/main" id="{083B5598-F8CF-4B20-3510-43996613B926}"/>
+              </a:ext>
+            </a:extLst>
+          </p:cNvPr>
+          <p:cNvSpPr>
+            <a:spLocks noGrp="1"/>
+          </p:cNvSpPr>
+          <p:nvPr>
+            <p:ph idx="1"/>
+          </p:nvPr>
+        </p:nvSpPr>
+        <p:spPr/>
+        <p:txBody>
+          <a:bodyPr/>
+          <a:lstStyle/>
+          <a:p>
+            <a:endParaRPr lang="en-NZ"/>
+          </a:p>
+        </p:txBody>
+      </p:sp>
+    </p:spTree>
+    <p:extLst>
+      <p:ext uri="{BB962C8B-B14F-4D97-AF65-F5344CB8AC3E}">
+        <p14:creationId xmlns:p14="http://schemas.microsoft.com/office/powerpoint/2010/main" val="1791692942"/>
+      </p:ext>
+    </p:extLst>
+  </p:cSld>
+  <p:clrMapOvr>
+    <a:masterClrMapping/>
+  </p:clrMapOvr>
+</p:sld>
+</file>
+
+<file path=ppt/slides/slide11.xml><?xml version="1.0" encoding="utf-8"?>
+<p:sld xmlns:a="http://schemas.openxmlformats.org/drawingml/2006/main" xmlns:r="http://schemas.openxmlformats.org/officeDocument/2006/relationships" xmlns:p="http://schemas.openxmlformats.org/presentationml/2006/main">
+  <p:cSld>
+    <p:spTree>
+      <p:nvGrpSpPr>
+        <p:cNvPr id="1" name=""/>
+        <p:cNvGrpSpPr/>
+        <p:nvPr/>
+      </p:nvGrpSpPr>
+      <p:grpSpPr>
+        <a:xfrm>
+          <a:off x="0" y="0"/>
+          <a:ext cx="0" cy="0"/>
+          <a:chOff x="0" y="0"/>
+          <a:chExt cx="0" cy="0"/>
+        </a:xfrm>
+      </p:grpSpPr>
+      <p:sp>
+        <p:nvSpPr>
+          <p:cNvPr id="2" name="Title 1">
+            <a:extLst>
+              <a:ext uri="{FF2B5EF4-FFF2-40B4-BE49-F238E27FC236}">
+                <a16:creationId xmlns:a16="http://schemas.microsoft.com/office/drawing/2014/main" id="{504DFA22-ACBB-7CA0-49AF-ADABE80DA1D8}"/>
+              </a:ext>
+            </a:extLst>
+          </p:cNvPr>
+          <p:cNvSpPr>
+            <a:spLocks noGrp="1"/>
+          </p:cNvSpPr>
+          <p:nvPr>
+            <p:ph type="title"/>
+          </p:nvPr>
+        </p:nvSpPr>
+        <p:spPr/>
+        <p:txBody>
+          <a:bodyPr/>
+          <a:lstStyle/>
+          <a:p>
+            <a:r>
+              <a:rPr lang="en-NZ" dirty="0"/>
+              <a:t>Dependency Inversion Principle</a:t>
+            </a:r>
+          </a:p>
+        </p:txBody>
+      </p:sp>
+      <p:sp>
+        <p:nvSpPr>
+          <p:cNvPr id="3" name="Content Placeholder 2">
+            <a:extLst>
+              <a:ext uri="{FF2B5EF4-FFF2-40B4-BE49-F238E27FC236}">
+                <a16:creationId xmlns:a16="http://schemas.microsoft.com/office/drawing/2014/main" id="{6F419033-CD68-2207-85FB-728E406A195E}"/>
+              </a:ext>
+            </a:extLst>
+          </p:cNvPr>
+          <p:cNvSpPr>
+            <a:spLocks noGrp="1"/>
+          </p:cNvSpPr>
+          <p:nvPr>
+            <p:ph idx="1"/>
+          </p:nvPr>
+        </p:nvSpPr>
+        <p:spPr/>
+        <p:txBody>
+          <a:bodyPr/>
+          <a:lstStyle/>
+          <a:p>
+            <a:endParaRPr lang="en-NZ"/>
+          </a:p>
+        </p:txBody>
+      </p:sp>
+    </p:spTree>
+    <p:extLst>
+      <p:ext uri="{BB962C8B-B14F-4D97-AF65-F5344CB8AC3E}">
+        <p14:creationId xmlns:p14="http://schemas.microsoft.com/office/powerpoint/2010/main" val="3582100569"/>
+      </p:ext>
+    </p:extLst>
+  </p:cSld>
+  <p:clrMapOvr>
+    <a:masterClrMapping/>
+  </p:clrMapOvr>
+</p:sld>
+</file>
+
+<file path=ppt/slides/slide12.xml><?xml version="1.0" encoding="utf-8"?>
+<p:sld xmlns:a="http://schemas.openxmlformats.org/drawingml/2006/main" xmlns:r="http://schemas.openxmlformats.org/officeDocument/2006/relationships" xmlns:p="http://schemas.openxmlformats.org/presentationml/2006/main">
+  <p:cSld>
+    <p:spTree>
+      <p:nvGrpSpPr>
+        <p:cNvPr id="1" name=""/>
+        <p:cNvGrpSpPr/>
+        <p:nvPr/>
+      </p:nvGrpSpPr>
+      <p:grpSpPr>
+        <a:xfrm>
+          <a:off x="0" y="0"/>
+          <a:ext cx="0" cy="0"/>
+          <a:chOff x="0" y="0"/>
+          <a:chExt cx="0" cy="0"/>
+        </a:xfrm>
+      </p:grpSpPr>
+      <p:sp>
+        <p:nvSpPr>
+          <p:cNvPr id="2" name="Title 1">
+            <a:extLst>
+              <a:ext uri="{FF2B5EF4-FFF2-40B4-BE49-F238E27FC236}">
+                <a16:creationId xmlns:a16="http://schemas.microsoft.com/office/drawing/2014/main" id="{714ABF95-D262-DD0B-4178-FE919001D07C}"/>
+              </a:ext>
+            </a:extLst>
+          </p:cNvPr>
+          <p:cNvSpPr>
+            <a:spLocks noGrp="1"/>
+          </p:cNvSpPr>
+          <p:nvPr>
+            <p:ph type="title"/>
+          </p:nvPr>
+        </p:nvSpPr>
+        <p:spPr/>
+        <p:txBody>
+          <a:bodyPr/>
+          <a:lstStyle/>
+          <a:p>
+            <a:r>
+              <a:rPr lang="en-NZ" dirty="0"/>
+              <a:t>Lessons learned</a:t>
+            </a:r>
+          </a:p>
+        </p:txBody>
+      </p:sp>
+      <p:sp>
+        <p:nvSpPr>
+          <p:cNvPr id="3" name="Content Placeholder 2">
+            <a:extLst>
+              <a:ext uri="{FF2B5EF4-FFF2-40B4-BE49-F238E27FC236}">
+                <a16:creationId xmlns:a16="http://schemas.microsoft.com/office/drawing/2014/main" id="{85EE0C39-7654-801B-DF0D-1E2A68F1BDE3}"/>
+              </a:ext>
+            </a:extLst>
+          </p:cNvPr>
+          <p:cNvSpPr>
+            <a:spLocks noGrp="1"/>
+          </p:cNvSpPr>
+          <p:nvPr>
+            <p:ph idx="1"/>
+          </p:nvPr>
+        </p:nvSpPr>
+        <p:spPr/>
+        <p:txBody>
+          <a:bodyPr/>
+          <a:lstStyle/>
+          <a:p>
+            <a:endParaRPr lang="en-NZ"/>
+          </a:p>
+        </p:txBody>
+      </p:sp>
+    </p:spTree>
+    <p:extLst>
+      <p:ext uri="{BB962C8B-B14F-4D97-AF65-F5344CB8AC3E}">
+        <p14:creationId xmlns:p14="http://schemas.microsoft.com/office/powerpoint/2010/main" val="1310673402"/>
+      </p:ext>
+    </p:extLst>
+  </p:cSld>
+  <p:clrMapOvr>
+    <a:masterClrMapping/>
+  </p:clrMapOvr>
+</p:sld>
+</file>
+
 <file path=ppt/slides/slide2.xml><?xml version="1.0" encoding="utf-8"?>
 <p:sld xmlns:a="http://schemas.openxmlformats.org/drawingml/2006/main" xmlns:r="http://schemas.openxmlformats.org/officeDocument/2006/relationships" xmlns:p="http://schemas.openxmlformats.org/presentationml/2006/main">
   <p:cSld>
@@ -5473,6 +5730,93 @@
           <p:cNvPr id="2" name="Title 1">
             <a:extLst>
               <a:ext uri="{FF2B5EF4-FFF2-40B4-BE49-F238E27FC236}">
+                <a16:creationId xmlns:a16="http://schemas.microsoft.com/office/drawing/2014/main" id="{0B1DF08B-6D50-0262-1695-0FD143E9CC29}"/>
+              </a:ext>
+            </a:extLst>
+          </p:cNvPr>
+          <p:cNvSpPr>
+            <a:spLocks noGrp="1"/>
+          </p:cNvSpPr>
+          <p:nvPr>
+            <p:ph type="title"/>
+          </p:nvPr>
+        </p:nvSpPr>
+        <p:spPr/>
+        <p:txBody>
+          <a:bodyPr/>
+          <a:lstStyle/>
+          <a:p>
+            <a:r>
+              <a:rPr lang="en-NZ" dirty="0"/>
+              <a:t>Section A</a:t>
+            </a:r>
+            <a:br>
+              <a:rPr lang="en-NZ" dirty="0"/>
+            </a:br>
+            <a:endParaRPr lang="en-NZ" dirty="0"/>
+          </a:p>
+        </p:txBody>
+      </p:sp>
+      <p:sp>
+        <p:nvSpPr>
+          <p:cNvPr id="3" name="Content Placeholder 2">
+            <a:extLst>
+              <a:ext uri="{FF2B5EF4-FFF2-40B4-BE49-F238E27FC236}">
+                <a16:creationId xmlns:a16="http://schemas.microsoft.com/office/drawing/2014/main" id="{64289765-938A-1718-EC75-6641BCD805BD}"/>
+              </a:ext>
+            </a:extLst>
+          </p:cNvPr>
+          <p:cNvSpPr>
+            <a:spLocks noGrp="1"/>
+          </p:cNvSpPr>
+          <p:nvPr>
+            <p:ph idx="1"/>
+          </p:nvPr>
+        </p:nvSpPr>
+        <p:spPr/>
+        <p:txBody>
+          <a:bodyPr/>
+          <a:lstStyle/>
+          <a:p>
+            <a:endParaRPr lang="en-NZ" dirty="0"/>
+          </a:p>
+        </p:txBody>
+      </p:sp>
+    </p:spTree>
+    <p:extLst>
+      <p:ext uri="{BB962C8B-B14F-4D97-AF65-F5344CB8AC3E}">
+        <p14:creationId xmlns:p14="http://schemas.microsoft.com/office/powerpoint/2010/main" val="2038979746"/>
+      </p:ext>
+    </p:extLst>
+  </p:cSld>
+  <p:clrMapOvr>
+    <a:masterClrMapping/>
+  </p:clrMapOvr>
+</p:sld>
+</file>
+
+<file path=ppt/slides/slide3.xml><?xml version="1.0" encoding="utf-8"?>
+<p:sld xmlns:a="http://schemas.openxmlformats.org/drawingml/2006/main" xmlns:r="http://schemas.openxmlformats.org/officeDocument/2006/relationships" xmlns:p="http://schemas.openxmlformats.org/presentationml/2006/main">
+  <p:cSld>
+    <p:spTree>
+      <p:nvGrpSpPr>
+        <p:cNvPr id="1" name=""/>
+        <p:cNvGrpSpPr/>
+        <p:nvPr/>
+      </p:nvGrpSpPr>
+      <p:grpSpPr>
+        <a:xfrm>
+          <a:off x="0" y="0"/>
+          <a:ext cx="0" cy="0"/>
+          <a:chOff x="0" y="0"/>
+          <a:chExt cx="0" cy="0"/>
+        </a:xfrm>
+      </p:grpSpPr>
+      <p:sp>
+        <p:nvSpPr>
+          <p:cNvPr id="2" name="Title 1">
+            <a:extLst>
+              <a:ext uri="{FF2B5EF4-FFF2-40B4-BE49-F238E27FC236}">
                 <a16:creationId xmlns:a16="http://schemas.microsoft.com/office/drawing/2014/main" id="{490C3AD9-0B36-99EA-3A13-6887A2B56B1C}"/>
               </a:ext>
             </a:extLst>
@@ -5534,7 +5878,7 @@
 </p:sld>
 </file>
 
-<file path=ppt/slides/slide3.xml><?xml version="1.0" encoding="utf-8"?>
+<file path=ppt/slides/slide4.xml><?xml version="1.0" encoding="utf-8"?>
 <p:sld xmlns:a="http://schemas.openxmlformats.org/drawingml/2006/main" xmlns:r="http://schemas.openxmlformats.org/officeDocument/2006/relationships" xmlns:p="http://schemas.openxmlformats.org/presentationml/2006/main">
   <p:cSld>
     <p:spTree>
@@ -5621,7 +5965,7 @@
 </p:sld>
 </file>
 
-<file path=ppt/slides/slide4.xml><?xml version="1.0" encoding="utf-8"?>
+<file path=ppt/slides/slide5.xml><?xml version="1.0" encoding="utf-8"?>
 <p:sld xmlns:a="http://schemas.openxmlformats.org/drawingml/2006/main" xmlns:r="http://schemas.openxmlformats.org/officeDocument/2006/relationships" xmlns:p="http://schemas.openxmlformats.org/presentationml/2006/main">
   <p:cSld>
     <p:spTree>
@@ -5736,6 +6080,342 @@
     <p:extLst>
       <p:ext uri="{BB962C8B-B14F-4D97-AF65-F5344CB8AC3E}">
         <p14:creationId xmlns:p14="http://schemas.microsoft.com/office/powerpoint/2010/main" val="2567241085"/>
+      </p:ext>
+    </p:extLst>
+  </p:cSld>
+  <p:clrMapOvr>
+    <a:masterClrMapping/>
+  </p:clrMapOvr>
+</p:sld>
+</file>
+
+<file path=ppt/slides/slide6.xml><?xml version="1.0" encoding="utf-8"?>
+<p:sld xmlns:a="http://schemas.openxmlformats.org/drawingml/2006/main" xmlns:r="http://schemas.openxmlformats.org/officeDocument/2006/relationships" xmlns:p="http://schemas.openxmlformats.org/presentationml/2006/main">
+  <p:cSld>
+    <p:spTree>
+      <p:nvGrpSpPr>
+        <p:cNvPr id="1" name=""/>
+        <p:cNvGrpSpPr/>
+        <p:nvPr/>
+      </p:nvGrpSpPr>
+      <p:grpSpPr>
+        <a:xfrm>
+          <a:off x="0" y="0"/>
+          <a:ext cx="0" cy="0"/>
+          <a:chOff x="0" y="0"/>
+          <a:chExt cx="0" cy="0"/>
+        </a:xfrm>
+      </p:grpSpPr>
+      <p:sp>
+        <p:nvSpPr>
+          <p:cNvPr id="2" name="Title 1">
+            <a:extLst>
+              <a:ext uri="{FF2B5EF4-FFF2-40B4-BE49-F238E27FC236}">
+                <a16:creationId xmlns:a16="http://schemas.microsoft.com/office/drawing/2014/main" id="{AC1F0107-8ED8-0056-4098-8487A1EDDA8C}"/>
+              </a:ext>
+            </a:extLst>
+          </p:cNvPr>
+          <p:cNvSpPr>
+            <a:spLocks noGrp="1"/>
+          </p:cNvSpPr>
+          <p:nvPr>
+            <p:ph type="title"/>
+          </p:nvPr>
+        </p:nvSpPr>
+        <p:spPr/>
+        <p:txBody>
+          <a:bodyPr/>
+          <a:lstStyle/>
+          <a:p>
+            <a:r>
+              <a:rPr lang="en-NZ" dirty="0"/>
+              <a:t>Section B - Solid</a:t>
+            </a:r>
+          </a:p>
+        </p:txBody>
+      </p:sp>
+      <p:sp>
+        <p:nvSpPr>
+          <p:cNvPr id="3" name="Content Placeholder 2">
+            <a:extLst>
+              <a:ext uri="{FF2B5EF4-FFF2-40B4-BE49-F238E27FC236}">
+                <a16:creationId xmlns:a16="http://schemas.microsoft.com/office/drawing/2014/main" id="{43714280-7A72-394A-3D2B-B77A0CB5E763}"/>
+              </a:ext>
+            </a:extLst>
+          </p:cNvPr>
+          <p:cNvSpPr>
+            <a:spLocks noGrp="1"/>
+          </p:cNvSpPr>
+          <p:nvPr>
+            <p:ph idx="1"/>
+          </p:nvPr>
+        </p:nvSpPr>
+        <p:spPr/>
+        <p:txBody>
+          <a:bodyPr/>
+          <a:lstStyle/>
+          <a:p>
+            <a:endParaRPr lang="en-NZ"/>
+          </a:p>
+        </p:txBody>
+      </p:sp>
+    </p:spTree>
+    <p:extLst>
+      <p:ext uri="{BB962C8B-B14F-4D97-AF65-F5344CB8AC3E}">
+        <p14:creationId xmlns:p14="http://schemas.microsoft.com/office/powerpoint/2010/main" val="4096807054"/>
+      </p:ext>
+    </p:extLst>
+  </p:cSld>
+  <p:clrMapOvr>
+    <a:masterClrMapping/>
+  </p:clrMapOvr>
+</p:sld>
+</file>
+
+<file path=ppt/slides/slide7.xml><?xml version="1.0" encoding="utf-8"?>
+<p:sld xmlns:a="http://schemas.openxmlformats.org/drawingml/2006/main" xmlns:r="http://schemas.openxmlformats.org/officeDocument/2006/relationships" xmlns:p="http://schemas.openxmlformats.org/presentationml/2006/main">
+  <p:cSld>
+    <p:spTree>
+      <p:nvGrpSpPr>
+        <p:cNvPr id="1" name=""/>
+        <p:cNvGrpSpPr/>
+        <p:nvPr/>
+      </p:nvGrpSpPr>
+      <p:grpSpPr>
+        <a:xfrm>
+          <a:off x="0" y="0"/>
+          <a:ext cx="0" cy="0"/>
+          <a:chOff x="0" y="0"/>
+          <a:chExt cx="0" cy="0"/>
+        </a:xfrm>
+      </p:grpSpPr>
+      <p:sp>
+        <p:nvSpPr>
+          <p:cNvPr id="2" name="Title 1">
+            <a:extLst>
+              <a:ext uri="{FF2B5EF4-FFF2-40B4-BE49-F238E27FC236}">
+                <a16:creationId xmlns:a16="http://schemas.microsoft.com/office/drawing/2014/main" id="{BEBF0F7F-A72E-07F4-4F10-D1BBEFBCC656}"/>
+              </a:ext>
+            </a:extLst>
+          </p:cNvPr>
+          <p:cNvSpPr>
+            <a:spLocks noGrp="1"/>
+          </p:cNvSpPr>
+          <p:nvPr>
+            <p:ph type="title"/>
+          </p:nvPr>
+        </p:nvSpPr>
+        <p:spPr/>
+        <p:txBody>
+          <a:bodyPr/>
+          <a:lstStyle/>
+          <a:p>
+            <a:r>
+              <a:rPr lang="en-NZ" dirty="0"/>
+              <a:t>Single-responsibility principle</a:t>
+            </a:r>
+          </a:p>
+        </p:txBody>
+      </p:sp>
+      <p:sp>
+        <p:nvSpPr>
+          <p:cNvPr id="3" name="Content Placeholder 2">
+            <a:extLst>
+              <a:ext uri="{FF2B5EF4-FFF2-40B4-BE49-F238E27FC236}">
+                <a16:creationId xmlns:a16="http://schemas.microsoft.com/office/drawing/2014/main" id="{9395C1FE-8F34-7FF5-AB21-BE917A4792F8}"/>
+              </a:ext>
+            </a:extLst>
+          </p:cNvPr>
+          <p:cNvSpPr>
+            <a:spLocks noGrp="1"/>
+          </p:cNvSpPr>
+          <p:nvPr>
+            <p:ph idx="1"/>
+          </p:nvPr>
+        </p:nvSpPr>
+        <p:spPr/>
+        <p:txBody>
+          <a:bodyPr/>
+          <a:lstStyle/>
+          <a:p>
+            <a:endParaRPr lang="en-NZ"/>
+          </a:p>
+        </p:txBody>
+      </p:sp>
+    </p:spTree>
+    <p:extLst>
+      <p:ext uri="{BB962C8B-B14F-4D97-AF65-F5344CB8AC3E}">
+        <p14:creationId xmlns:p14="http://schemas.microsoft.com/office/powerpoint/2010/main" val="1028233917"/>
+      </p:ext>
+    </p:extLst>
+  </p:cSld>
+  <p:clrMapOvr>
+    <a:masterClrMapping/>
+  </p:clrMapOvr>
+</p:sld>
+</file>
+
+<file path=ppt/slides/slide8.xml><?xml version="1.0" encoding="utf-8"?>
+<p:sld xmlns:a="http://schemas.openxmlformats.org/drawingml/2006/main" xmlns:r="http://schemas.openxmlformats.org/officeDocument/2006/relationships" xmlns:p="http://schemas.openxmlformats.org/presentationml/2006/main">
+  <p:cSld>
+    <p:spTree>
+      <p:nvGrpSpPr>
+        <p:cNvPr id="1" name=""/>
+        <p:cNvGrpSpPr/>
+        <p:nvPr/>
+      </p:nvGrpSpPr>
+      <p:grpSpPr>
+        <a:xfrm>
+          <a:off x="0" y="0"/>
+          <a:ext cx="0" cy="0"/>
+          <a:chOff x="0" y="0"/>
+          <a:chExt cx="0" cy="0"/>
+        </a:xfrm>
+      </p:grpSpPr>
+      <p:sp>
+        <p:nvSpPr>
+          <p:cNvPr id="2" name="Title 1">
+            <a:extLst>
+              <a:ext uri="{FF2B5EF4-FFF2-40B4-BE49-F238E27FC236}">
+                <a16:creationId xmlns:a16="http://schemas.microsoft.com/office/drawing/2014/main" id="{E56573AA-F151-8A8B-945E-D9EBADF98F8B}"/>
+              </a:ext>
+            </a:extLst>
+          </p:cNvPr>
+          <p:cNvSpPr>
+            <a:spLocks noGrp="1"/>
+          </p:cNvSpPr>
+          <p:nvPr>
+            <p:ph type="title"/>
+          </p:nvPr>
+        </p:nvSpPr>
+        <p:spPr/>
+        <p:txBody>
+          <a:bodyPr/>
+          <a:lstStyle/>
+          <a:p>
+            <a:r>
+              <a:rPr lang="en-NZ" dirty="0"/>
+              <a:t>Open-closed principle</a:t>
+            </a:r>
+          </a:p>
+        </p:txBody>
+      </p:sp>
+      <p:sp>
+        <p:nvSpPr>
+          <p:cNvPr id="3" name="Content Placeholder 2">
+            <a:extLst>
+              <a:ext uri="{FF2B5EF4-FFF2-40B4-BE49-F238E27FC236}">
+                <a16:creationId xmlns:a16="http://schemas.microsoft.com/office/drawing/2014/main" id="{7080F66A-8723-AD3D-7058-3FACA05BAE13}"/>
+              </a:ext>
+            </a:extLst>
+          </p:cNvPr>
+          <p:cNvSpPr>
+            <a:spLocks noGrp="1"/>
+          </p:cNvSpPr>
+          <p:nvPr>
+            <p:ph idx="1"/>
+          </p:nvPr>
+        </p:nvSpPr>
+        <p:spPr/>
+        <p:txBody>
+          <a:bodyPr/>
+          <a:lstStyle/>
+          <a:p>
+            <a:endParaRPr lang="en-NZ"/>
+          </a:p>
+        </p:txBody>
+      </p:sp>
+    </p:spTree>
+    <p:extLst>
+      <p:ext uri="{BB962C8B-B14F-4D97-AF65-F5344CB8AC3E}">
+        <p14:creationId xmlns:p14="http://schemas.microsoft.com/office/powerpoint/2010/main" val="1104810719"/>
+      </p:ext>
+    </p:extLst>
+  </p:cSld>
+  <p:clrMapOvr>
+    <a:masterClrMapping/>
+  </p:clrMapOvr>
+</p:sld>
+</file>
+
+<file path=ppt/slides/slide9.xml><?xml version="1.0" encoding="utf-8"?>
+<p:sld xmlns:a="http://schemas.openxmlformats.org/drawingml/2006/main" xmlns:r="http://schemas.openxmlformats.org/officeDocument/2006/relationships" xmlns:p="http://schemas.openxmlformats.org/presentationml/2006/main">
+  <p:cSld>
+    <p:spTree>
+      <p:nvGrpSpPr>
+        <p:cNvPr id="1" name=""/>
+        <p:cNvGrpSpPr/>
+        <p:nvPr/>
+      </p:nvGrpSpPr>
+      <p:grpSpPr>
+        <a:xfrm>
+          <a:off x="0" y="0"/>
+          <a:ext cx="0" cy="0"/>
+          <a:chOff x="0" y="0"/>
+          <a:chExt cx="0" cy="0"/>
+        </a:xfrm>
+      </p:grpSpPr>
+      <p:sp>
+        <p:nvSpPr>
+          <p:cNvPr id="2" name="Title 1">
+            <a:extLst>
+              <a:ext uri="{FF2B5EF4-FFF2-40B4-BE49-F238E27FC236}">
+                <a16:creationId xmlns:a16="http://schemas.microsoft.com/office/drawing/2014/main" id="{E7E34108-9A2F-5AF4-A058-71E72F0081E7}"/>
+              </a:ext>
+            </a:extLst>
+          </p:cNvPr>
+          <p:cNvSpPr>
+            <a:spLocks noGrp="1"/>
+          </p:cNvSpPr>
+          <p:nvPr>
+            <p:ph type="title"/>
+          </p:nvPr>
+        </p:nvSpPr>
+        <p:spPr/>
+        <p:txBody>
+          <a:bodyPr/>
+          <a:lstStyle/>
+          <a:p>
+            <a:r>
+              <a:rPr lang="en-NZ" dirty="0" err="1"/>
+              <a:t>Liskov</a:t>
+            </a:r>
+            <a:r>
+              <a:rPr lang="en-NZ" dirty="0"/>
+              <a:t> substitution principle</a:t>
+            </a:r>
+          </a:p>
+        </p:txBody>
+      </p:sp>
+      <p:sp>
+        <p:nvSpPr>
+          <p:cNvPr id="3" name="Content Placeholder 2">
+            <a:extLst>
+              <a:ext uri="{FF2B5EF4-FFF2-40B4-BE49-F238E27FC236}">
+                <a16:creationId xmlns:a16="http://schemas.microsoft.com/office/drawing/2014/main" id="{3FE1E61F-1732-1130-87D8-860C0292C931}"/>
+              </a:ext>
+            </a:extLst>
+          </p:cNvPr>
+          <p:cNvSpPr>
+            <a:spLocks noGrp="1"/>
+          </p:cNvSpPr>
+          <p:nvPr>
+            <p:ph idx="1"/>
+          </p:nvPr>
+        </p:nvSpPr>
+        <p:spPr/>
+        <p:txBody>
+          <a:bodyPr/>
+          <a:lstStyle/>
+          <a:p>
+            <a:endParaRPr lang="en-NZ"/>
+          </a:p>
+        </p:txBody>
+      </p:sp>
+    </p:spTree>
+    <p:extLst>
+      <p:ext uri="{BB962C8B-B14F-4D97-AF65-F5344CB8AC3E}">
+        <p14:creationId xmlns:p14="http://schemas.microsoft.com/office/powerpoint/2010/main" val="3579291991"/>
       </p:ext>
     </p:extLst>
   </p:cSld>
